--- a/site/bboss.pptx
+++ b/site/bboss.pptx
@@ -6733,6 +6733,281 @@
           </p:txBody>
         </p:sp>
       </p:grpSp>
+      <p:grpSp>
+        <p:nvGrpSpPr>
+          <p:cNvPr id="8" name="组合 7"/>
+          <p:cNvGrpSpPr/>
+          <p:nvPr/>
+        </p:nvGrpSpPr>
+        <p:grpSpPr>
+          <a:xfrm>
+            <a:off x="8341953" y="4546600"/>
+            <a:ext cx="762670" cy="492125"/>
+            <a:chOff x="12090" y="8606"/>
+            <a:chExt cx="1234" cy="775"/>
+          </a:xfrm>
+        </p:grpSpPr>
+        <p:sp>
+          <p:nvSpPr>
+            <p:cNvPr id="110" name="椭圆 109"/>
+            <p:cNvSpPr/>
+            <p:nvPr/>
+          </p:nvSpPr>
+          <p:spPr>
+            <a:xfrm>
+              <a:off x="12125" y="8606"/>
+              <a:ext cx="1016" cy="775"/>
+            </a:xfrm>
+            <a:prstGeom prst="ellipse">
+              <a:avLst/>
+            </a:prstGeom>
+            <a:solidFill>
+              <a:srgbClr val="FFFFFF"/>
+            </a:solidFill>
+            <a:ln>
+              <a:noFill/>
+            </a:ln>
+            <a:effectLst>
+              <a:outerShdw blurRad="50800" dist="38100" dir="2700000" algn="tl" rotWithShape="0">
+                <a:prstClr val="black">
+                  <a:alpha val="40000"/>
+                </a:prstClr>
+              </a:outerShdw>
+            </a:effectLst>
+          </p:spPr>
+          <p:style>
+            <a:lnRef idx="2">
+              <a:schemeClr val="accent1">
+                <a:shade val="50000"/>
+              </a:schemeClr>
+            </a:lnRef>
+            <a:fillRef idx="1">
+              <a:schemeClr val="accent1"/>
+            </a:fillRef>
+            <a:effectRef idx="0">
+              <a:schemeClr val="accent1"/>
+            </a:effectRef>
+            <a:fontRef idx="minor">
+              <a:schemeClr val="lt1"/>
+            </a:fontRef>
+          </p:style>
+          <p:txBody>
+            <a:bodyPr vertOverflow="overflow" horzOverflow="overflow" vert="horz" wrap="square" numCol="1" spcCol="0" rtlCol="0" fromWordArt="0" anchor="ctr" anchorCtr="0" forceAA="0" compatLnSpc="1">
+              <a:noAutofit/>
+            </a:bodyPr>
+            <a:p>
+              <a:pPr lvl="0" algn="ctr">
+                <a:buClrTx/>
+                <a:buSzTx/>
+                <a:buFontTx/>
+              </a:pPr>
+              <a:endParaRPr lang="zh-CN" altLang="en-US">
+                <a:sym typeface="+mn-ea"/>
+              </a:endParaRPr>
+            </a:p>
+          </p:txBody>
+        </p:sp>
+        <p:sp>
+          <p:nvSpPr>
+            <p:cNvPr id="111" name="文本框 110"/>
+            <p:cNvSpPr txBox="1"/>
+            <p:nvPr/>
+          </p:nvSpPr>
+          <p:spPr>
+            <a:xfrm>
+              <a:off x="12090" y="8776"/>
+              <a:ext cx="1234" cy="434"/>
+            </a:xfrm>
+            <a:prstGeom prst="rect">
+              <a:avLst/>
+            </a:prstGeom>
+            <a:noFill/>
+          </p:spPr>
+          <p:txBody>
+            <a:bodyPr wrap="square" rtlCol="0">
+              <a:spAutoFit/>
+            </a:bodyPr>
+            <a:p>
+              <a:r>
+                <a:rPr lang="en-US" altLang="zh-CN" sz="1200" b="1">
+                  <a:solidFill>
+                    <a:schemeClr val="accent2"/>
+                  </a:solidFill>
+                  <a:effectLst/>
+                  <a:latin typeface="微软雅黑" panose="020B0503020204020204" charset="-122"/>
+                  <a:ea typeface="微软雅黑" panose="020B0503020204020204" charset="-122"/>
+                </a:rPr>
+                <a:t>B</a:t>
+              </a:r>
+              <a:r>
+                <a:rPr lang="en-US" altLang="zh-CN" sz="1200" b="1">
+                  <a:solidFill>
+                    <a:schemeClr val="bg1">
+                      <a:lumMod val="75000"/>
+                    </a:schemeClr>
+                  </a:solidFill>
+                  <a:effectLst/>
+                  <a:latin typeface="微软雅黑" panose="020B0503020204020204" charset="-122"/>
+                  <a:ea typeface="微软雅黑" panose="020B0503020204020204" charset="-122"/>
+                </a:rPr>
+                <a:t>BO</a:t>
+              </a:r>
+              <a:r>
+                <a:rPr lang="en-US" altLang="zh-CN" sz="1200" b="1">
+                  <a:solidFill>
+                    <a:schemeClr val="accent2"/>
+                  </a:solidFill>
+                  <a:effectLst/>
+                  <a:latin typeface="微软雅黑" panose="020B0503020204020204" charset="-122"/>
+                  <a:ea typeface="微软雅黑" panose="020B0503020204020204" charset="-122"/>
+                </a:rPr>
+                <a:t>S</a:t>
+              </a:r>
+              <a:r>
+                <a:rPr lang="en-US" altLang="zh-CN" sz="1200" b="1">
+                  <a:solidFill>
+                    <a:schemeClr val="bg1">
+                      <a:lumMod val="75000"/>
+                    </a:schemeClr>
+                  </a:solidFill>
+                  <a:effectLst/>
+                  <a:latin typeface="微软雅黑" panose="020B0503020204020204" charset="-122"/>
+                  <a:ea typeface="微软雅黑" panose="020B0503020204020204" charset="-122"/>
+                </a:rPr>
+                <a:t>S</a:t>
+              </a:r>
+              <a:endParaRPr lang="en-US" altLang="zh-CN" sz="1200" b="1">
+                <a:solidFill>
+                  <a:schemeClr val="bg1">
+                    <a:lumMod val="75000"/>
+                  </a:schemeClr>
+                </a:solidFill>
+                <a:effectLst/>
+                <a:latin typeface="微软雅黑" panose="020B0503020204020204" charset="-122"/>
+                <a:ea typeface="微软雅黑" panose="020B0503020204020204" charset="-122"/>
+              </a:endParaRPr>
+            </a:p>
+          </p:txBody>
+        </p:sp>
+      </p:grpSp>
+      <p:grpSp>
+        <p:nvGrpSpPr>
+          <p:cNvPr id="112" name="组合 111"/>
+          <p:cNvGrpSpPr/>
+          <p:nvPr/>
+        </p:nvGrpSpPr>
+        <p:grpSpPr>
+          <a:xfrm>
+            <a:off x="7529195" y="4683760"/>
+            <a:ext cx="863611" cy="526415"/>
+            <a:chOff x="5316" y="9210"/>
+            <a:chExt cx="1303" cy="829"/>
+          </a:xfrm>
+        </p:grpSpPr>
+        <p:sp>
+          <p:nvSpPr>
+            <p:cNvPr id="113" name="椭圆 112"/>
+            <p:cNvSpPr/>
+            <p:nvPr/>
+          </p:nvSpPr>
+          <p:spPr>
+            <a:xfrm>
+              <a:off x="5316" y="9210"/>
+              <a:ext cx="1016" cy="829"/>
+            </a:xfrm>
+            <a:prstGeom prst="ellipse">
+              <a:avLst/>
+            </a:prstGeom>
+            <a:solidFill>
+              <a:schemeClr val="bg1"/>
+            </a:solidFill>
+            <a:ln>
+              <a:noFill/>
+            </a:ln>
+            <a:effectLst>
+              <a:outerShdw blurRad="50800" dist="38100" dir="2700000" algn="tl" rotWithShape="0">
+                <a:prstClr val="black">
+                  <a:alpha val="40000"/>
+                </a:prstClr>
+              </a:outerShdw>
+            </a:effectLst>
+          </p:spPr>
+          <p:style>
+            <a:lnRef idx="2">
+              <a:schemeClr val="accent1">
+                <a:shade val="50000"/>
+              </a:schemeClr>
+            </a:lnRef>
+            <a:fillRef idx="1">
+              <a:schemeClr val="accent1"/>
+            </a:fillRef>
+            <a:effectRef idx="0">
+              <a:schemeClr val="accent1"/>
+            </a:effectRef>
+            <a:fontRef idx="minor">
+              <a:schemeClr val="lt1"/>
+            </a:fontRef>
+          </p:style>
+          <p:txBody>
+            <a:bodyPr vertOverflow="overflow" horzOverflow="overflow" vert="horz" wrap="square" numCol="1" spcCol="0" rtlCol="0" fromWordArt="0" anchor="ctr" anchorCtr="0" forceAA="0" compatLnSpc="1">
+              <a:noAutofit/>
+            </a:bodyPr>
+            <a:p>
+              <a:pPr lvl="0" algn="ctr">
+                <a:buClrTx/>
+                <a:buSzTx/>
+                <a:buFontTx/>
+              </a:pPr>
+              <a:endParaRPr lang="zh-CN" altLang="en-US">
+                <a:sym typeface="+mn-ea"/>
+              </a:endParaRPr>
+            </a:p>
+          </p:txBody>
+        </p:sp>
+        <p:sp>
+          <p:nvSpPr>
+            <p:cNvPr id="114" name="文本框 113"/>
+            <p:cNvSpPr txBox="1"/>
+            <p:nvPr/>
+          </p:nvSpPr>
+          <p:spPr>
+            <a:xfrm>
+              <a:off x="5328" y="9420"/>
+              <a:ext cx="1291" cy="434"/>
+            </a:xfrm>
+            <a:prstGeom prst="rect">
+              <a:avLst/>
+            </a:prstGeom>
+            <a:noFill/>
+          </p:spPr>
+          <p:txBody>
+            <a:bodyPr wrap="square" rtlCol="0">
+              <a:spAutoFit/>
+            </a:bodyPr>
+            <a:p>
+              <a:r>
+                <a:rPr lang="en-US" altLang="zh-CN" sz="1200" b="1">
+                  <a:solidFill>
+                    <a:srgbClr val="2F63F6"/>
+                  </a:solidFill>
+                  <a:effectLst/>
+                  <a:latin typeface="微软雅黑" panose="020B0503020204020204" charset="-122"/>
+                  <a:ea typeface="微软雅黑" panose="020B0503020204020204" charset="-122"/>
+                </a:rPr>
+                <a:t>BBOSS</a:t>
+              </a:r>
+              <a:endParaRPr lang="en-US" altLang="zh-CN" sz="1200" b="1">
+                <a:solidFill>
+                  <a:srgbClr val="2F63F6"/>
+                </a:solidFill>
+                <a:effectLst/>
+                <a:latin typeface="微软雅黑" panose="020B0503020204020204" charset="-122"/>
+                <a:ea typeface="微软雅黑" panose="020B0503020204020204" charset="-122"/>
+              </a:endParaRPr>
+            </a:p>
+          </p:txBody>
+        </p:sp>
+      </p:grpSp>
     </p:spTree>
   </p:cSld>
   <p:clrMapOvr>
